--- a/Introduction to Powerpoint.pptx
+++ b/Introduction to Powerpoint.pptx
@@ -122,6 +122,11 @@
       </a:defRPr>
     </a:lvl9pPr>
   </p:defaultTextStyle>
+  <p:extLst>
+    <p:ext uri="{EFAFB233-063F-42B5-8137-9DF3F51BA10A}">
+      <p15:sldGuideLst xmlns:p15="http://schemas.microsoft.com/office/powerpoint/2012/main"/>
+    </p:ext>
+  </p:extLst>
 </p:presentation>
 </file>
 
@@ -207,7 +212,7 @@
           <a:p>
             <a:fld id="{E374835A-7768-4AA8-9EBD-320D5394CA1F}" type="datetimeFigureOut">
               <a:rPr lang="en-IN" smtClean="0"/>
-              <a:t>07-02-2021</a:t>
+              <a:t>19-10-2022</a:t>
             </a:fld>
             <a:endParaRPr lang="en-IN"/>
           </a:p>
@@ -701,7 +706,7 @@
           <a:p>
             <a:fld id="{A6C171C4-4C72-4F49-9786-DFCCADECC2B9}" type="datetimeFigureOut">
               <a:rPr lang="en-IN" smtClean="0"/>
-              <a:t>07-02-2021</a:t>
+              <a:t>19-10-2022</a:t>
             </a:fld>
             <a:endParaRPr lang="en-IN"/>
           </a:p>
@@ -909,7 +914,7 @@
           <a:p>
             <a:fld id="{A6C171C4-4C72-4F49-9786-DFCCADECC2B9}" type="datetimeFigureOut">
               <a:rPr lang="en-IN" smtClean="0"/>
-              <a:t>07-02-2021</a:t>
+              <a:t>19-10-2022</a:t>
             </a:fld>
             <a:endParaRPr lang="en-IN"/>
           </a:p>
@@ -1165,7 +1170,7 @@
           <a:p>
             <a:fld id="{A6C171C4-4C72-4F49-9786-DFCCADECC2B9}" type="datetimeFigureOut">
               <a:rPr lang="en-IN" smtClean="0"/>
-              <a:t>07-02-2021</a:t>
+              <a:t>19-10-2022</a:t>
             </a:fld>
             <a:endParaRPr lang="en-IN"/>
           </a:p>
@@ -1339,7 +1344,7 @@
           <a:p>
             <a:fld id="{A6C171C4-4C72-4F49-9786-DFCCADECC2B9}" type="datetimeFigureOut">
               <a:rPr lang="en-IN" smtClean="0"/>
-              <a:t>07-02-2021</a:t>
+              <a:t>19-10-2022</a:t>
             </a:fld>
             <a:endParaRPr lang="en-IN"/>
           </a:p>
@@ -1682,7 +1687,7 @@
           <a:p>
             <a:fld id="{A6C171C4-4C72-4F49-9786-DFCCADECC2B9}" type="datetimeFigureOut">
               <a:rPr lang="en-IN" smtClean="0"/>
-              <a:t>07-02-2021</a:t>
+              <a:t>19-10-2022</a:t>
             </a:fld>
             <a:endParaRPr lang="en-IN"/>
           </a:p>
@@ -1957,7 +1962,7 @@
           <a:p>
             <a:fld id="{A6C171C4-4C72-4F49-9786-DFCCADECC2B9}" type="datetimeFigureOut">
               <a:rPr lang="en-IN" smtClean="0"/>
-              <a:t>07-02-2021</a:t>
+              <a:t>19-10-2022</a:t>
             </a:fld>
             <a:endParaRPr lang="en-IN"/>
           </a:p>
@@ -2336,7 +2341,7 @@
           <a:p>
             <a:fld id="{A6C171C4-4C72-4F49-9786-DFCCADECC2B9}" type="datetimeFigureOut">
               <a:rPr lang="en-IN" smtClean="0"/>
-              <a:t>07-02-2021</a:t>
+              <a:t>19-10-2022</a:t>
             </a:fld>
             <a:endParaRPr lang="en-IN"/>
           </a:p>
@@ -2454,7 +2459,7 @@
           <a:p>
             <a:fld id="{A6C171C4-4C72-4F49-9786-DFCCADECC2B9}" type="datetimeFigureOut">
               <a:rPr lang="en-IN" smtClean="0"/>
-              <a:t>07-02-2021</a:t>
+              <a:t>19-10-2022</a:t>
             </a:fld>
             <a:endParaRPr lang="en-IN"/>
           </a:p>
@@ -2625,7 +2630,7 @@
           <a:p>
             <a:fld id="{A6C171C4-4C72-4F49-9786-DFCCADECC2B9}" type="datetimeFigureOut">
               <a:rPr lang="en-IN" smtClean="0"/>
-              <a:t>07-02-2021</a:t>
+              <a:t>19-10-2022</a:t>
             </a:fld>
             <a:endParaRPr lang="en-IN"/>
           </a:p>
@@ -2979,7 +2984,7 @@
           <a:p>
             <a:fld id="{A6C171C4-4C72-4F49-9786-DFCCADECC2B9}" type="datetimeFigureOut">
               <a:rPr lang="en-IN" smtClean="0"/>
-              <a:t>07-02-2021</a:t>
+              <a:t>19-10-2022</a:t>
             </a:fld>
             <a:endParaRPr lang="en-IN"/>
           </a:p>
@@ -3361,7 +3366,7 @@
           <a:p>
             <a:fld id="{A6C171C4-4C72-4F49-9786-DFCCADECC2B9}" type="datetimeFigureOut">
               <a:rPr lang="en-IN" smtClean="0"/>
-              <a:t>07-02-2021</a:t>
+              <a:t>19-10-2022</a:t>
             </a:fld>
             <a:endParaRPr lang="en-IN"/>
           </a:p>
@@ -3648,7 +3653,7 @@
           <a:p>
             <a:fld id="{A6C171C4-4C72-4F49-9786-DFCCADECC2B9}" type="datetimeFigureOut">
               <a:rPr lang="en-IN" smtClean="0"/>
-              <a:t>07-02-2021</a:t>
+              <a:t>19-10-2022</a:t>
             </a:fld>
             <a:endParaRPr lang="en-IN"/>
           </a:p>
@@ -4238,67 +4243,6 @@
       </p:pic>
       <p:sp>
         <p:nvSpPr>
-          <p:cNvPr id="57" name="Rectangle: Rounded Corners 56">
-            <a:extLst>
-              <a:ext uri="{FF2B5EF4-FFF2-40B4-BE49-F238E27FC236}">
-                <a16:creationId xmlns:a16="http://schemas.microsoft.com/office/drawing/2014/main" id="{498E0842-D7BA-4AB5-BB8F-7AB641532053}"/>
-              </a:ext>
-            </a:extLst>
-          </p:cNvPr>
-          <p:cNvSpPr/>
-          <p:nvPr/>
-        </p:nvSpPr>
-        <p:spPr>
-          <a:xfrm>
-            <a:off x="0" y="4470400"/>
-            <a:ext cx="12192000" cy="1316181"/>
-          </a:xfrm>
-          <a:prstGeom prst="roundRect">
-            <a:avLst>
-              <a:gd name="adj" fmla="val 18567"/>
-            </a:avLst>
-          </a:prstGeom>
-          <a:solidFill>
-            <a:srgbClr val="FF5050"/>
-          </a:solidFill>
-          <a:effectLst>
-            <a:outerShdw blurRad="50800" dist="38100" dir="2700000" algn="tl" rotWithShape="0">
-              <a:prstClr val="black">
-                <a:alpha val="40000"/>
-              </a:prstClr>
-            </a:outerShdw>
-          </a:effectLst>
-        </p:spPr>
-        <p:style>
-          <a:lnRef idx="2">
-            <a:schemeClr val="accent2">
-              <a:shade val="50000"/>
-            </a:schemeClr>
-          </a:lnRef>
-          <a:fillRef idx="1">
-            <a:schemeClr val="accent2"/>
-          </a:fillRef>
-          <a:effectRef idx="0">
-            <a:schemeClr val="accent2"/>
-          </a:effectRef>
-          <a:fontRef idx="minor">
-            <a:schemeClr val="lt1"/>
-          </a:fontRef>
-        </p:style>
-        <p:txBody>
-          <a:bodyPr rtlCol="0" anchor="ctr"/>
-          <a:lstStyle/>
-          <a:p>
-            <a:pPr algn="ctr"/>
-            <a:endParaRPr lang="en-IN" sz="5400" dirty="0">
-              <a:latin typeface="Segoe UI" panose="020B0502040204020203" pitchFamily="34" charset="0"/>
-              <a:cs typeface="Segoe UI" panose="020B0502040204020203" pitchFamily="34" charset="0"/>
-            </a:endParaRPr>
-          </a:p>
-        </p:txBody>
-      </p:sp>
-      <p:sp>
-        <p:nvSpPr>
           <p:cNvPr id="4" name="Rectangle: Rounded Corners 3">
             <a:extLst>
               <a:ext uri="{FF2B5EF4-FFF2-40B4-BE49-F238E27FC236}">
@@ -4312,16 +4256,28 @@
         <p:spPr>
           <a:xfrm>
             <a:off x="0" y="-580571"/>
-            <a:ext cx="12192000" cy="5981979"/>
+            <a:ext cx="12192000" cy="6783944"/>
           </a:xfrm>
           <a:prstGeom prst="roundRect">
             <a:avLst>
               <a:gd name="adj" fmla="val 5058"/>
             </a:avLst>
           </a:prstGeom>
-          <a:solidFill>
-            <a:srgbClr val="FF7E69"/>
-          </a:solidFill>
+          <a:gradFill flip="none" rotWithShape="1">
+            <a:gsLst>
+              <a:gs pos="46000">
+                <a:srgbClr val="FF614F"/>
+              </a:gs>
+              <a:gs pos="0">
+                <a:srgbClr val="FF904B"/>
+              </a:gs>
+              <a:gs pos="100000">
+                <a:srgbClr val="FF5050"/>
+              </a:gs>
+            </a:gsLst>
+            <a:lin ang="0" scaled="1"/>
+            <a:tileRect/>
+          </a:gradFill>
           <a:effectLst>
             <a:outerShdw blurRad="50800" dist="38100" dir="2700000" algn="tl" rotWithShape="0">
               <a:prstClr val="black">
@@ -4387,8 +4343,8 @@
         </p:blipFill>
         <p:spPr bwMode="auto">
           <a:xfrm>
-            <a:off x="204300" y="211015"/>
-            <a:ext cx="2735290" cy="2543908"/>
+            <a:off x="1168950" y="1069102"/>
+            <a:ext cx="2425679" cy="2255960"/>
           </a:xfrm>
           <a:prstGeom prst="rect">
             <a:avLst/>
@@ -4426,7 +4382,7 @@
         </p:nvSpPr>
         <p:spPr>
           <a:xfrm>
-            <a:off x="4108540" y="566678"/>
+            <a:off x="4108540" y="1025600"/>
             <a:ext cx="6914510" cy="3046988"/>
           </a:xfrm>
           <a:prstGeom prst="rect">
@@ -4502,8 +4458,8 @@
         </p:nvSpPr>
         <p:spPr>
           <a:xfrm>
-            <a:off x="10289309" y="3842327"/>
-            <a:ext cx="877455" cy="628073"/>
+            <a:off x="10929033" y="5036921"/>
+            <a:ext cx="615474" cy="440550"/>
           </a:xfrm>
           <a:prstGeom prst="rightArrow">
             <a:avLst>
@@ -4512,7 +4468,7 @@
             </a:avLst>
           </a:prstGeom>
           <a:effectLst>
-            <a:outerShdw blurRad="50800" dist="38100" dir="2700000" algn="tl" rotWithShape="0">
+            <a:outerShdw blurRad="101600" dist="38100" dir="2700000" algn="tl" rotWithShape="0">
               <a:prstClr val="black">
                 <a:alpha val="40000"/>
               </a:prstClr>
@@ -4556,8 +4512,8 @@
         </p:nvSpPr>
         <p:spPr>
           <a:xfrm>
-            <a:off x="9984509" y="3429000"/>
-            <a:ext cx="1431636" cy="1431636"/>
+            <a:off x="10734674" y="4755100"/>
+            <a:ext cx="1004193" cy="1004193"/>
           </a:xfrm>
           <a:prstGeom prst="ellipse">
             <a:avLst/>
@@ -4569,7 +4525,7 @@
             </a:solidFill>
           </a:ln>
           <a:effectLst>
-            <a:outerShdw blurRad="50800" dist="38100" dir="2700000" algn="tl" rotWithShape="0">
+            <a:outerShdw blurRad="101600" dist="38100" dir="2700000" algn="tl" rotWithShape="0">
               <a:prstClr val="black">
                 <a:alpha val="40000"/>
               </a:prstClr>
@@ -4596,6 +4552,64 @@
           <a:p>
             <a:pPr algn="ctr"/>
             <a:endParaRPr lang="en-IN"/>
+          </a:p>
+        </p:txBody>
+      </p:sp>
+      <p:sp>
+        <p:nvSpPr>
+          <p:cNvPr id="3" name="TextBox 2">
+            <a:extLst>
+              <a:ext uri="{FF2B5EF4-FFF2-40B4-BE49-F238E27FC236}">
+                <a16:creationId xmlns:a16="http://schemas.microsoft.com/office/drawing/2014/main" id="{EFC4F855-328B-6F70-B20B-6D7CEA129686}"/>
+              </a:ext>
+            </a:extLst>
+          </p:cNvPr>
+          <p:cNvSpPr txBox="1"/>
+          <p:nvPr/>
+        </p:nvSpPr>
+        <p:spPr>
+          <a:xfrm>
+            <a:off x="4108540" y="3325062"/>
+            <a:ext cx="2957512" cy="461665"/>
+          </a:xfrm>
+          <a:prstGeom prst="rect">
+            <a:avLst/>
+          </a:prstGeom>
+          <a:noFill/>
+        </p:spPr>
+        <p:txBody>
+          <a:bodyPr wrap="square">
+            <a:spAutoFit/>
+          </a:bodyPr>
+          <a:lstStyle/>
+          <a:p>
+            <a:r>
+              <a:rPr lang="en-US" sz="2400" dirty="0">
+                <a:solidFill>
+                  <a:schemeClr val="bg1"/>
+                </a:solidFill>
+                <a:effectLst>
+                  <a:outerShdw blurRad="38100" dist="38100" dir="2700000" algn="tl">
+                    <a:srgbClr val="000000">
+                      <a:alpha val="43137"/>
+                    </a:srgbClr>
+                  </a:outerShdw>
+                </a:effectLst>
+              </a:rPr>
+              <a:t>By Prateek Panwar</a:t>
+            </a:r>
+            <a:endParaRPr lang="en-IN" sz="2400" dirty="0">
+              <a:solidFill>
+                <a:schemeClr val="bg1"/>
+              </a:solidFill>
+              <a:effectLst>
+                <a:outerShdw blurRad="38100" dist="38100" dir="2700000" algn="tl">
+                  <a:srgbClr val="000000">
+                    <a:alpha val="43137"/>
+                  </a:srgbClr>
+                </a:outerShdw>
+              </a:effectLst>
+            </a:endParaRPr>
           </a:p>
         </p:txBody>
       </p:sp>
